--- a/documentation/0 architecture/design/TO-BE 시스템 SW 기술 구조 (Module 구조) (JSP).pptx
+++ b/documentation/0 architecture/design/TO-BE 시스템 SW 기술 구조 (Module 구조) (JSP).pptx
@@ -64,7 +64,7 @@
         <p:spPr>
           <a:xfrm>
             <a:off x="685800" y="2130480"/>
-            <a:ext cx="7771680" cy="1469880"/>
+            <a:ext cx="7771320" cy="1469880"/>
           </a:xfrm>
           <a:prstGeom prst="rect">
             <a:avLst/>
@@ -91,7 +91,7 @@
         <p:spPr>
           <a:xfrm>
             <a:off x="457200" y="1604520"/>
-            <a:ext cx="8229240" cy="1896840"/>
+            <a:ext cx="8228880" cy="1896840"/>
           </a:xfrm>
           <a:prstGeom prst="rect">
             <a:avLst/>
@@ -117,7 +117,7 @@
         <p:spPr>
           <a:xfrm>
             <a:off x="457200" y="3682080"/>
-            <a:ext cx="8229240" cy="1896840"/>
+            <a:ext cx="8228880" cy="1896840"/>
           </a:xfrm>
           <a:prstGeom prst="rect">
             <a:avLst/>
@@ -165,7 +165,7 @@
         <p:spPr>
           <a:xfrm>
             <a:off x="685800" y="2130480"/>
-            <a:ext cx="7771680" cy="1469880"/>
+            <a:ext cx="7771320" cy="1469880"/>
           </a:xfrm>
           <a:prstGeom prst="rect">
             <a:avLst/>
@@ -192,7 +192,7 @@
         <p:spPr>
           <a:xfrm>
             <a:off x="457200" y="1604520"/>
-            <a:ext cx="4015800" cy="1896840"/>
+            <a:ext cx="4015440" cy="1896840"/>
           </a:xfrm>
           <a:prstGeom prst="rect">
             <a:avLst/>
@@ -217,8 +217,8 @@
         </p:nvSpPr>
         <p:spPr>
           <a:xfrm>
-            <a:off x="4674240" y="1604520"/>
-            <a:ext cx="4015800" cy="1896840"/>
+            <a:off x="4673880" y="1604520"/>
+            <a:ext cx="4015440" cy="1896840"/>
           </a:xfrm>
           <a:prstGeom prst="rect">
             <a:avLst/>
@@ -243,8 +243,8 @@
         </p:nvSpPr>
         <p:spPr>
           <a:xfrm>
-            <a:off x="4674240" y="3682080"/>
-            <a:ext cx="4015800" cy="1896840"/>
+            <a:off x="4673880" y="3682080"/>
+            <a:ext cx="4015440" cy="1896840"/>
           </a:xfrm>
           <a:prstGeom prst="rect">
             <a:avLst/>
@@ -270,7 +270,7 @@
         <p:spPr>
           <a:xfrm>
             <a:off x="457200" y="3682080"/>
-            <a:ext cx="4015800" cy="1896840"/>
+            <a:ext cx="4015440" cy="1896840"/>
           </a:xfrm>
           <a:prstGeom prst="rect">
             <a:avLst/>
@@ -318,7 +318,7 @@
         <p:spPr>
           <a:xfrm>
             <a:off x="685800" y="2130480"/>
-            <a:ext cx="7771680" cy="1469880"/>
+            <a:ext cx="7771320" cy="1469880"/>
           </a:xfrm>
           <a:prstGeom prst="rect">
             <a:avLst/>
@@ -345,7 +345,7 @@
         <p:spPr>
           <a:xfrm>
             <a:off x="457200" y="1604520"/>
-            <a:ext cx="8229240" cy="3977280"/>
+            <a:ext cx="8228880" cy="3976920"/>
           </a:xfrm>
           <a:prstGeom prst="rect">
             <a:avLst/>
@@ -371,7 +371,7 @@
         <p:spPr>
           <a:xfrm>
             <a:off x="457200" y="1604520"/>
-            <a:ext cx="8229240" cy="3977280"/>
+            <a:ext cx="8228880" cy="3976920"/>
           </a:xfrm>
           <a:prstGeom prst="rect">
             <a:avLst/>
@@ -398,8 +398,8 @@
         </p:blipFill>
         <p:spPr>
           <a:xfrm>
-            <a:off x="2079000" y="1604520"/>
-            <a:ext cx="4984920" cy="3977280"/>
+            <a:off x="2079360" y="1604160"/>
+            <a:ext cx="4984200" cy="3976920"/>
           </a:xfrm>
           <a:prstGeom prst="rect">
             <a:avLst/>
@@ -423,8 +423,8 @@
         </p:blipFill>
         <p:spPr>
           <a:xfrm>
-            <a:off x="2079000" y="1604520"/>
-            <a:ext cx="4984920" cy="3977280"/>
+            <a:off x="2079360" y="1604160"/>
+            <a:ext cx="4984200" cy="3976920"/>
           </a:xfrm>
           <a:prstGeom prst="rect">
             <a:avLst/>
@@ -469,7 +469,7 @@
         <p:spPr>
           <a:xfrm>
             <a:off x="685800" y="2130480"/>
-            <a:ext cx="7771680" cy="1469880"/>
+            <a:ext cx="7771320" cy="1469880"/>
           </a:xfrm>
           <a:prstGeom prst="rect">
             <a:avLst/>
@@ -496,7 +496,7 @@
         <p:spPr>
           <a:xfrm>
             <a:off x="457200" y="1604520"/>
-            <a:ext cx="8229240" cy="3977640"/>
+            <a:ext cx="8228880" cy="3977280"/>
           </a:xfrm>
           <a:prstGeom prst="rect">
             <a:avLst/>
@@ -545,7 +545,7 @@
         <p:spPr>
           <a:xfrm>
             <a:off x="685800" y="2130480"/>
-            <a:ext cx="7771680" cy="1469880"/>
+            <a:ext cx="7771320" cy="1469880"/>
           </a:xfrm>
           <a:prstGeom prst="rect">
             <a:avLst/>
@@ -572,7 +572,7 @@
         <p:spPr>
           <a:xfrm>
             <a:off x="457200" y="1604520"/>
-            <a:ext cx="8229240" cy="3977280"/>
+            <a:ext cx="8228880" cy="3976920"/>
           </a:xfrm>
           <a:prstGeom prst="rect">
             <a:avLst/>
@@ -620,7 +620,7 @@
         <p:spPr>
           <a:xfrm>
             <a:off x="685800" y="2130480"/>
-            <a:ext cx="7771680" cy="1469880"/>
+            <a:ext cx="7771320" cy="1469880"/>
           </a:xfrm>
           <a:prstGeom prst="rect">
             <a:avLst/>
@@ -647,7 +647,7 @@
         <p:spPr>
           <a:xfrm>
             <a:off x="457200" y="1604520"/>
-            <a:ext cx="4015800" cy="3977280"/>
+            <a:ext cx="4015440" cy="3976920"/>
           </a:xfrm>
           <a:prstGeom prst="rect">
             <a:avLst/>
@@ -672,8 +672,8 @@
         </p:nvSpPr>
         <p:spPr>
           <a:xfrm>
-            <a:off x="4674240" y="1604520"/>
-            <a:ext cx="4015800" cy="3977280"/>
+            <a:off x="4673880" y="1604520"/>
+            <a:ext cx="4015440" cy="3976920"/>
           </a:xfrm>
           <a:prstGeom prst="rect">
             <a:avLst/>
@@ -721,7 +721,7 @@
         <p:spPr>
           <a:xfrm>
             <a:off x="685800" y="2130480"/>
-            <a:ext cx="7771680" cy="1469880"/>
+            <a:ext cx="7771320" cy="1469880"/>
           </a:xfrm>
           <a:prstGeom prst="rect">
             <a:avLst/>
@@ -770,7 +770,7 @@
         <p:spPr>
           <a:xfrm>
             <a:off x="685800" y="2130480"/>
-            <a:ext cx="7771680" cy="6813360"/>
+            <a:ext cx="7771320" cy="6813360"/>
           </a:xfrm>
           <a:prstGeom prst="rect">
             <a:avLst/>
@@ -819,7 +819,7 @@
         <p:spPr>
           <a:xfrm>
             <a:off x="685800" y="2130480"/>
-            <a:ext cx="7771680" cy="1469880"/>
+            <a:ext cx="7771320" cy="1469880"/>
           </a:xfrm>
           <a:prstGeom prst="rect">
             <a:avLst/>
@@ -846,7 +846,7 @@
         <p:spPr>
           <a:xfrm>
             <a:off x="457200" y="1604520"/>
-            <a:ext cx="4015800" cy="1896840"/>
+            <a:ext cx="4015440" cy="1896840"/>
           </a:xfrm>
           <a:prstGeom prst="rect">
             <a:avLst/>
@@ -872,7 +872,7 @@
         <p:spPr>
           <a:xfrm>
             <a:off x="457200" y="3682080"/>
-            <a:ext cx="4015800" cy="1896840"/>
+            <a:ext cx="4015440" cy="1896840"/>
           </a:xfrm>
           <a:prstGeom prst="rect">
             <a:avLst/>
@@ -897,8 +897,8 @@
         </p:nvSpPr>
         <p:spPr>
           <a:xfrm>
-            <a:off x="4674240" y="1604520"/>
-            <a:ext cx="4015800" cy="3977280"/>
+            <a:off x="4673880" y="1604520"/>
+            <a:ext cx="4015440" cy="3976920"/>
           </a:xfrm>
           <a:prstGeom prst="rect">
             <a:avLst/>
@@ -946,7 +946,7 @@
         <p:spPr>
           <a:xfrm>
             <a:off x="685800" y="2130480"/>
-            <a:ext cx="7771680" cy="1469880"/>
+            <a:ext cx="7771320" cy="1469880"/>
           </a:xfrm>
           <a:prstGeom prst="rect">
             <a:avLst/>
@@ -973,7 +973,7 @@
         <p:spPr>
           <a:xfrm>
             <a:off x="457200" y="1604520"/>
-            <a:ext cx="4015800" cy="3977280"/>
+            <a:ext cx="4015440" cy="3976920"/>
           </a:xfrm>
           <a:prstGeom prst="rect">
             <a:avLst/>
@@ -998,8 +998,8 @@
         </p:nvSpPr>
         <p:spPr>
           <a:xfrm>
-            <a:off x="4674240" y="1604520"/>
-            <a:ext cx="4015800" cy="1896840"/>
+            <a:off x="4673880" y="1604520"/>
+            <a:ext cx="4015440" cy="1896840"/>
           </a:xfrm>
           <a:prstGeom prst="rect">
             <a:avLst/>
@@ -1024,8 +1024,8 @@
         </p:nvSpPr>
         <p:spPr>
           <a:xfrm>
-            <a:off x="4674240" y="3682080"/>
-            <a:ext cx="4015800" cy="1896840"/>
+            <a:off x="4673880" y="3682080"/>
+            <a:ext cx="4015440" cy="1896840"/>
           </a:xfrm>
           <a:prstGeom prst="rect">
             <a:avLst/>
@@ -1073,7 +1073,7 @@
         <p:spPr>
           <a:xfrm>
             <a:off x="685800" y="2130480"/>
-            <a:ext cx="7771680" cy="1469880"/>
+            <a:ext cx="7771320" cy="1469880"/>
           </a:xfrm>
           <a:prstGeom prst="rect">
             <a:avLst/>
@@ -1100,7 +1100,7 @@
         <p:spPr>
           <a:xfrm>
             <a:off x="457200" y="1604520"/>
-            <a:ext cx="4015800" cy="1896840"/>
+            <a:ext cx="4015440" cy="1896840"/>
           </a:xfrm>
           <a:prstGeom prst="rect">
             <a:avLst/>
@@ -1125,8 +1125,8 @@
         </p:nvSpPr>
         <p:spPr>
           <a:xfrm>
-            <a:off x="4674240" y="1604520"/>
-            <a:ext cx="4015800" cy="1896840"/>
+            <a:off x="4673880" y="1604520"/>
+            <a:ext cx="4015440" cy="1896840"/>
           </a:xfrm>
           <a:prstGeom prst="rect">
             <a:avLst/>
@@ -1152,7 +1152,7 @@
         <p:spPr>
           <a:xfrm>
             <a:off x="457200" y="3682080"/>
-            <a:ext cx="8229240" cy="1896840"/>
+            <a:ext cx="8228880" cy="1896840"/>
           </a:xfrm>
           <a:prstGeom prst="rect">
             <a:avLst/>
@@ -1207,7 +1207,7 @@
         <p:spPr>
           <a:xfrm>
             <a:off x="685800" y="2130480"/>
-            <a:ext cx="7771680" cy="1469520"/>
+            <a:ext cx="7771320" cy="1469520"/>
           </a:xfrm>
           <a:prstGeom prst="rect">
             <a:avLst/>
@@ -1239,7 +1239,7 @@
         <p:spPr>
           <a:xfrm>
             <a:off x="457200" y="1604520"/>
-            <a:ext cx="8229240" cy="3977280"/>
+            <a:ext cx="8228880" cy="3976920"/>
           </a:xfrm>
           <a:prstGeom prst="rect">
             <a:avLst/>
@@ -1254,7 +1254,7 @@
               <a:buChar char=""/>
             </a:pPr>
             <a:r>
-              <a:rPr lang="en-US" sz="3200">
+              <a:rPr lang="en-US">
                 <a:latin typeface="Arial"/>
               </a:rPr>
               <a:t>Click to edit the outline text format</a:t>
@@ -1268,7 +1268,7 @@
               <a:buChar char=""/>
             </a:pPr>
             <a:r>
-              <a:rPr lang="en-US" sz="2800">
+              <a:rPr lang="en-US">
                 <a:latin typeface="Arial"/>
               </a:rPr>
               <a:t>Second Outline Level</a:t>
@@ -1282,7 +1282,7 @@
               <a:buChar char=""/>
             </a:pPr>
             <a:r>
-              <a:rPr lang="en-US" sz="2400">
+              <a:rPr lang="en-US">
                 <a:latin typeface="Arial"/>
               </a:rPr>
               <a:t>Third Outline Level</a:t>
@@ -1296,7 +1296,7 @@
               <a:buChar char=""/>
             </a:pPr>
             <a:r>
-              <a:rPr lang="en-US" sz="2000">
+              <a:rPr lang="en-US">
                 <a:latin typeface="Arial"/>
               </a:rPr>
               <a:t>Fourth Outline Level</a:t>
@@ -1310,7 +1310,7 @@
               <a:buChar char=""/>
             </a:pPr>
             <a:r>
-              <a:rPr lang="en-US" sz="2000">
+              <a:rPr lang="en-US">
                 <a:latin typeface="Arial"/>
               </a:rPr>
               <a:t>Fifth Outline Level</a:t>
@@ -1324,7 +1324,7 @@
               <a:buChar char=""/>
             </a:pPr>
             <a:r>
-              <a:rPr lang="en-US" sz="2000">
+              <a:rPr lang="en-US">
                 <a:latin typeface="Arial"/>
               </a:rPr>
               <a:t>Sixth Outline Level</a:t>
@@ -1338,7 +1338,7 @@
               <a:buChar char=""/>
             </a:pPr>
             <a:r>
-              <a:rPr lang="en-US" sz="2000">
+              <a:rPr lang="en-US">
                 <a:latin typeface="Arial"/>
               </a:rPr>
               <a:t>Seventh Outline Level</a:t>
@@ -1393,7 +1393,7 @@
         <p:spPr>
           <a:xfrm>
             <a:off x="5490000" y="1412640"/>
-            <a:ext cx="1653840" cy="5046120"/>
+            <a:ext cx="1653480" cy="5045760"/>
           </a:xfrm>
           <a:prstGeom prst="rect">
             <a:avLst/>
@@ -1438,7 +1438,7 @@
         <p:spPr>
           <a:xfrm>
             <a:off x="3703320" y="1412640"/>
-            <a:ext cx="1653120" cy="5046120"/>
+            <a:ext cx="1652760" cy="5045760"/>
           </a:xfrm>
           <a:prstGeom prst="rect">
             <a:avLst/>
@@ -1483,7 +1483,7 @@
         <p:spPr>
           <a:xfrm>
             <a:off x="3768120" y="2802600"/>
-            <a:ext cx="3308040" cy="3579120"/>
+            <a:ext cx="3307680" cy="3578760"/>
           </a:xfrm>
           <a:prstGeom prst="rect">
             <a:avLst/>
@@ -1528,7 +1528,7 @@
         <p:spPr>
           <a:xfrm>
             <a:off x="3834000" y="4581000"/>
-            <a:ext cx="1377720" cy="719280"/>
+            <a:ext cx="1377360" cy="718920"/>
           </a:xfrm>
           <a:prstGeom prst="rect">
             <a:avLst/>
@@ -1572,8 +1572,8 @@
         </p:nvSpPr>
         <p:spPr>
           <a:xfrm>
-            <a:off x="547560" y="152280"/>
-            <a:ext cx="8705160" cy="456480"/>
+            <a:off x="151560" y="152280"/>
+            <a:ext cx="8704800" cy="456120"/>
           </a:xfrm>
           <a:prstGeom prst="rect">
             <a:avLst/>
@@ -1632,7 +1632,7 @@
               <a:t>기술 구조 – </a:t>
             </a:r>
             <a:r>
-              <a:rPr lang="en-US">
+              <a:rPr lang="en-US" sz="2400">
                 <a:solidFill>
                   <a:srgbClr val="000000"/>
                 </a:solidFill>
@@ -1642,7 +1642,7 @@
               <a:t>Module </a:t>
             </a:r>
             <a:r>
-              <a:rPr lang="en-US">
+              <a:rPr lang="en-US" sz="2400">
                 <a:solidFill>
                   <a:srgbClr val="000000"/>
                 </a:solidFill>
@@ -1664,7 +1664,7 @@
         <p:spPr>
           <a:xfrm>
             <a:off x="1915920" y="1412640"/>
-            <a:ext cx="1653840" cy="5046120"/>
+            <a:ext cx="1653480" cy="5045760"/>
           </a:xfrm>
           <a:prstGeom prst="rect">
             <a:avLst/>
@@ -1709,7 +1709,7 @@
         <p:spPr>
           <a:xfrm>
             <a:off x="130320" y="1412640"/>
-            <a:ext cx="1653840" cy="5046120"/>
+            <a:ext cx="1653480" cy="5045760"/>
           </a:xfrm>
           <a:prstGeom prst="rect">
             <a:avLst/>
@@ -1754,7 +1754,7 @@
         <p:spPr>
           <a:xfrm>
             <a:off x="261360" y="1792800"/>
-            <a:ext cx="1440720" cy="4588560"/>
+            <a:ext cx="1440360" cy="4588200"/>
           </a:xfrm>
           <a:prstGeom prst="rect">
             <a:avLst/>
@@ -1799,7 +1799,7 @@
         <p:spPr>
           <a:xfrm>
             <a:off x="1981080" y="1765080"/>
-            <a:ext cx="1508040" cy="944640"/>
+            <a:ext cx="1507680" cy="944280"/>
           </a:xfrm>
           <a:prstGeom prst="rect">
             <a:avLst/>
@@ -1844,7 +1844,7 @@
         <p:spPr>
           <a:xfrm>
             <a:off x="3834000" y="3069000"/>
-            <a:ext cx="1377720" cy="647280"/>
+            <a:ext cx="1377360" cy="646920"/>
           </a:xfrm>
           <a:prstGeom prst="rect">
             <a:avLst/>
@@ -1889,7 +1889,7 @@
         <p:spPr>
           <a:xfrm>
             <a:off x="3834000" y="3789000"/>
-            <a:ext cx="1377720" cy="719280"/>
+            <a:ext cx="1377360" cy="718920"/>
           </a:xfrm>
           <a:prstGeom prst="rect">
             <a:avLst/>
@@ -1934,7 +1934,7 @@
         <p:spPr>
           <a:xfrm>
             <a:off x="7275600" y="1412640"/>
-            <a:ext cx="1653840" cy="5046120"/>
+            <a:ext cx="1653480" cy="5045760"/>
           </a:xfrm>
           <a:prstGeom prst="rect">
             <a:avLst/>
@@ -1996,7 +1996,7 @@
         <p:spPr>
           <a:xfrm>
             <a:off x="7341480" y="2131920"/>
-            <a:ext cx="1507680" cy="1224360"/>
+            <a:ext cx="1507320" cy="1224000"/>
           </a:xfrm>
           <a:prstGeom prst="rect">
             <a:avLst/>
@@ -2041,7 +2041,7 @@
         <p:spPr>
           <a:xfrm>
             <a:off x="7341480" y="4752720"/>
-            <a:ext cx="1507680" cy="1629000"/>
+            <a:ext cx="1507320" cy="1628640"/>
           </a:xfrm>
           <a:prstGeom prst="rect">
             <a:avLst/>
@@ -2086,7 +2086,7 @@
         <p:spPr>
           <a:xfrm>
             <a:off x="7407720" y="5155560"/>
-            <a:ext cx="1400760" cy="1151640"/>
+            <a:ext cx="1400400" cy="1151280"/>
           </a:xfrm>
           <a:prstGeom prst="rect">
             <a:avLst/>
@@ -2131,7 +2131,7 @@
         <p:spPr>
           <a:xfrm>
             <a:off x="7340400" y="3537720"/>
-            <a:ext cx="1507320" cy="972000"/>
+            <a:ext cx="1506960" cy="971640"/>
           </a:xfrm>
           <a:prstGeom prst="rect">
             <a:avLst/>
@@ -2173,7 +2173,7 @@
         <p:spPr>
           <a:xfrm>
             <a:off x="8337600" y="1123920"/>
-            <a:ext cx="575640" cy="215280"/>
+            <a:ext cx="575280" cy="214920"/>
           </a:xfrm>
           <a:prstGeom prst="rect">
             <a:avLst/>
@@ -2218,7 +2218,7 @@
         <p:spPr>
           <a:xfrm>
             <a:off x="1981080" y="2801520"/>
-            <a:ext cx="1521000" cy="3580200"/>
+            <a:ext cx="1520640" cy="3579840"/>
           </a:xfrm>
           <a:prstGeom prst="rect">
             <a:avLst/>
@@ -2263,7 +2263,7 @@
         <p:spPr>
           <a:xfrm>
             <a:off x="2047680" y="3105000"/>
-            <a:ext cx="1400400" cy="2447640"/>
+            <a:ext cx="1400040" cy="2447280"/>
           </a:xfrm>
           <a:prstGeom prst="rect">
             <a:avLst/>
@@ -2308,7 +2308,7 @@
         <p:spPr>
           <a:xfrm>
             <a:off x="7689960" y="1123920"/>
-            <a:ext cx="575640" cy="215280"/>
+            <a:ext cx="575280" cy="214920"/>
           </a:xfrm>
           <a:prstGeom prst="rect">
             <a:avLst/>
@@ -2353,7 +2353,7 @@
         <p:spPr>
           <a:xfrm>
             <a:off x="7040880" y="1123920"/>
-            <a:ext cx="575640" cy="215280"/>
+            <a:ext cx="575280" cy="214920"/>
           </a:xfrm>
           <a:prstGeom prst="rect">
             <a:avLst/>
@@ -2398,7 +2398,7 @@
         <p:spPr>
           <a:xfrm>
             <a:off x="6392880" y="1123920"/>
-            <a:ext cx="575640" cy="215280"/>
+            <a:ext cx="575280" cy="214920"/>
           </a:xfrm>
           <a:prstGeom prst="rect">
             <a:avLst/>
@@ -2443,7 +2443,7 @@
         <p:spPr>
           <a:xfrm>
             <a:off x="7407720" y="3789000"/>
-            <a:ext cx="1400760" cy="647640"/>
+            <a:ext cx="1400400" cy="647280"/>
           </a:xfrm>
           <a:prstGeom prst="rect">
             <a:avLst/>
@@ -2488,7 +2488,7 @@
         <p:spPr>
           <a:xfrm>
             <a:off x="2113920" y="3357000"/>
-            <a:ext cx="594720" cy="143280"/>
+            <a:ext cx="594360" cy="142920"/>
           </a:xfrm>
           <a:prstGeom prst="rect">
             <a:avLst/>
@@ -2533,7 +2533,7 @@
         <p:spPr>
           <a:xfrm>
             <a:off x="3900960" y="3357000"/>
-            <a:ext cx="528840" cy="287640"/>
+            <a:ext cx="528480" cy="287280"/>
           </a:xfrm>
           <a:prstGeom prst="rect">
             <a:avLst/>
@@ -2578,7 +2578,7 @@
         <p:spPr>
           <a:xfrm>
             <a:off x="3900960" y="4148640"/>
-            <a:ext cx="528120" cy="287640"/>
+            <a:ext cx="527760" cy="287280"/>
           </a:xfrm>
           <a:prstGeom prst="rect">
             <a:avLst/>
@@ -2623,7 +2623,7 @@
         <p:spPr>
           <a:xfrm>
             <a:off x="3900600" y="4941000"/>
-            <a:ext cx="528840" cy="287640"/>
+            <a:ext cx="528480" cy="287280"/>
           </a:xfrm>
           <a:prstGeom prst="rect">
             <a:avLst/>
@@ -2668,7 +2668,7 @@
         <p:spPr>
           <a:xfrm>
             <a:off x="7407720" y="2421000"/>
-            <a:ext cx="1400760" cy="838440"/>
+            <a:ext cx="1400400" cy="838080"/>
           </a:xfrm>
           <a:prstGeom prst="rect">
             <a:avLst/>
@@ -2713,7 +2713,7 @@
         <p:spPr>
           <a:xfrm>
             <a:off x="2775240" y="3357000"/>
-            <a:ext cx="594720" cy="143280"/>
+            <a:ext cx="594360" cy="142920"/>
           </a:xfrm>
           <a:prstGeom prst="rect">
             <a:avLst/>
@@ -2758,7 +2758,7 @@
         <p:spPr>
           <a:xfrm>
             <a:off x="2113920" y="3573000"/>
-            <a:ext cx="594720" cy="143280"/>
+            <a:ext cx="594360" cy="142920"/>
           </a:xfrm>
           <a:prstGeom prst="rect">
             <a:avLst/>
@@ -2803,7 +2803,7 @@
         <p:spPr>
           <a:xfrm>
             <a:off x="2775240" y="3573000"/>
-            <a:ext cx="594720" cy="143280"/>
+            <a:ext cx="594360" cy="142920"/>
           </a:xfrm>
           <a:prstGeom prst="rect">
             <a:avLst/>
@@ -2848,7 +2848,7 @@
         <p:spPr>
           <a:xfrm>
             <a:off x="7473600" y="2708280"/>
-            <a:ext cx="594720" cy="216000"/>
+            <a:ext cx="594360" cy="215640"/>
           </a:xfrm>
           <a:prstGeom prst="rect">
             <a:avLst/>
@@ -2893,7 +2893,7 @@
         <p:spPr>
           <a:xfrm>
             <a:off x="8136000" y="2708280"/>
-            <a:ext cx="595440" cy="216000"/>
+            <a:ext cx="595080" cy="215640"/>
           </a:xfrm>
           <a:prstGeom prst="rect">
             <a:avLst/>
@@ -2938,7 +2938,7 @@
         <p:spPr>
           <a:xfrm>
             <a:off x="2047680" y="5697720"/>
-            <a:ext cx="4962240" cy="573840"/>
+            <a:ext cx="4961880" cy="573480"/>
           </a:xfrm>
           <a:prstGeom prst="rect">
             <a:avLst/>
@@ -2983,7 +2983,7 @@
         <p:spPr>
           <a:xfrm>
             <a:off x="3899880" y="5985000"/>
-            <a:ext cx="528840" cy="215280"/>
+            <a:ext cx="528480" cy="214920"/>
           </a:xfrm>
           <a:prstGeom prst="rect">
             <a:avLst/>
@@ -3028,7 +3028,7 @@
         <p:spPr>
           <a:xfrm>
             <a:off x="4496760" y="5985000"/>
-            <a:ext cx="528840" cy="215280"/>
+            <a:ext cx="528480" cy="214920"/>
           </a:xfrm>
           <a:prstGeom prst="rect">
             <a:avLst/>
@@ -3073,7 +3073,7 @@
         <p:spPr>
           <a:xfrm>
             <a:off x="5091840" y="5985000"/>
-            <a:ext cx="528840" cy="215280"/>
+            <a:ext cx="528480" cy="214920"/>
           </a:xfrm>
           <a:prstGeom prst="rect">
             <a:avLst/>
@@ -3135,7 +3135,7 @@
         <p:spPr>
           <a:xfrm>
             <a:off x="2113920" y="4005000"/>
-            <a:ext cx="595080" cy="311040"/>
+            <a:ext cx="594720" cy="310680"/>
           </a:xfrm>
           <a:prstGeom prst="rect">
             <a:avLst/>
@@ -3197,7 +3197,7 @@
         <p:spPr>
           <a:xfrm>
             <a:off x="2775240" y="4005000"/>
-            <a:ext cx="595080" cy="309600"/>
+            <a:ext cx="594720" cy="309240"/>
           </a:xfrm>
           <a:prstGeom prst="rect">
             <a:avLst/>
@@ -3259,7 +3259,7 @@
         <p:spPr>
           <a:xfrm>
             <a:off x="2113920" y="4785480"/>
-            <a:ext cx="595080" cy="309960"/>
+            <a:ext cx="594720" cy="309600"/>
           </a:xfrm>
           <a:prstGeom prst="rect">
             <a:avLst/>
@@ -3321,7 +3321,7 @@
         <p:spPr>
           <a:xfrm>
             <a:off x="2113920" y="4395240"/>
-            <a:ext cx="595080" cy="311040"/>
+            <a:ext cx="594720" cy="310680"/>
           </a:xfrm>
           <a:prstGeom prst="rect">
             <a:avLst/>
@@ -3383,7 +3383,7 @@
         <p:spPr>
           <a:xfrm>
             <a:off x="2113920" y="5176080"/>
-            <a:ext cx="595080" cy="309960"/>
+            <a:ext cx="594720" cy="309600"/>
           </a:xfrm>
           <a:prstGeom prst="rect">
             <a:avLst/>
@@ -3445,7 +3445,7 @@
         <p:spPr>
           <a:xfrm>
             <a:off x="2775240" y="4785480"/>
-            <a:ext cx="595080" cy="309960"/>
+            <a:ext cx="594720" cy="309600"/>
           </a:xfrm>
           <a:prstGeom prst="rect">
             <a:avLst/>
@@ -3507,7 +3507,7 @@
         <p:spPr>
           <a:xfrm>
             <a:off x="2775600" y="5176080"/>
-            <a:ext cx="595080" cy="309960"/>
+            <a:ext cx="594720" cy="309600"/>
           </a:xfrm>
           <a:prstGeom prst="rect">
             <a:avLst/>
@@ -3569,7 +3569,7 @@
         <p:spPr>
           <a:xfrm>
             <a:off x="2775240" y="4395240"/>
-            <a:ext cx="595080" cy="311040"/>
+            <a:ext cx="594720" cy="310680"/>
           </a:xfrm>
           <a:prstGeom prst="rect">
             <a:avLst/>
@@ -3648,7 +3648,7 @@
         <p:spPr>
           <a:xfrm>
             <a:off x="2113920" y="3790080"/>
-            <a:ext cx="594720" cy="143280"/>
+            <a:ext cx="594360" cy="142920"/>
           </a:xfrm>
           <a:prstGeom prst="rect">
             <a:avLst/>
@@ -3693,7 +3693,7 @@
         <p:spPr>
           <a:xfrm>
             <a:off x="2775600" y="3789000"/>
-            <a:ext cx="594720" cy="143280"/>
+            <a:ext cx="594360" cy="142920"/>
           </a:xfrm>
           <a:prstGeom prst="rect">
             <a:avLst/>
@@ -3738,7 +3738,7 @@
         <p:spPr>
           <a:xfrm>
             <a:off x="7473600" y="2996280"/>
-            <a:ext cx="594720" cy="216000"/>
+            <a:ext cx="594360" cy="215640"/>
           </a:xfrm>
           <a:prstGeom prst="rect">
             <a:avLst/>
@@ -3783,7 +3783,7 @@
         <p:spPr>
           <a:xfrm>
             <a:off x="2011680" y="2025360"/>
-            <a:ext cx="1400400" cy="628920"/>
+            <a:ext cx="1400040" cy="628560"/>
           </a:xfrm>
           <a:prstGeom prst="rect">
             <a:avLst/>
@@ -3828,7 +3828,7 @@
         <p:spPr>
           <a:xfrm>
             <a:off x="2078280" y="2277000"/>
-            <a:ext cx="573120" cy="136080"/>
+            <a:ext cx="572760" cy="135720"/>
           </a:xfrm>
           <a:prstGeom prst="rect">
             <a:avLst/>
@@ -3873,7 +3873,7 @@
         <p:spPr>
           <a:xfrm>
             <a:off x="2743200" y="2277000"/>
-            <a:ext cx="573120" cy="136080"/>
+            <a:ext cx="572760" cy="135720"/>
           </a:xfrm>
           <a:prstGeom prst="rect">
             <a:avLst/>
@@ -3918,7 +3918,7 @@
         <p:spPr>
           <a:xfrm>
             <a:off x="2078280" y="2457000"/>
-            <a:ext cx="573120" cy="136080"/>
+            <a:ext cx="572760" cy="135720"/>
           </a:xfrm>
           <a:prstGeom prst="rect">
             <a:avLst/>
@@ -3963,7 +3963,7 @@
         <p:spPr>
           <a:xfrm>
             <a:off x="2743200" y="2457000"/>
-            <a:ext cx="573120" cy="136080"/>
+            <a:ext cx="572760" cy="135720"/>
           </a:xfrm>
           <a:prstGeom prst="rect">
             <a:avLst/>
@@ -4008,7 +4008,7 @@
         <p:spPr>
           <a:xfrm>
             <a:off x="3311640" y="5983920"/>
-            <a:ext cx="528480" cy="233640"/>
+            <a:ext cx="528120" cy="233280"/>
           </a:xfrm>
           <a:prstGeom prst="rect">
             <a:avLst/>
@@ -4053,7 +4053,7 @@
         <p:spPr>
           <a:xfrm>
             <a:off x="7498080" y="5943600"/>
-            <a:ext cx="528840" cy="215280"/>
+            <a:ext cx="528480" cy="214920"/>
           </a:xfrm>
           <a:prstGeom prst="rect">
             <a:avLst/>
